--- a/presentation/presentation_new.pptx
+++ b/presentation/presentation_new.pptx
@@ -1720,7 +1720,7 @@
           </a:pPr>
           <a:r>
             <a:rPr lang="en-US" dirty="0"/>
-            <a:t>Explored enrollment rates, graduation rates and how crime stats impact them</a:t>
+            <a:t>Explored  graduation rates and how crime stats impact them</a:t>
           </a:r>
         </a:p>
       </dgm:t>
@@ -1811,9 +1811,10 @@
             </a:lnSpc>
           </a:pPr>
           <a:r>
-            <a:rPr lang="en-US" dirty="0"/>
-            <a:t>Tableau dashboard</a:t>
+            <a:rPr lang="en-US" dirty="0" err="1"/>
+            <a:t>PowerBI</a:t>
           </a:r>
+          <a:endParaRPr lang="en-US" dirty="0"/>
         </a:p>
       </dgm:t>
     </dgm:pt>
@@ -2427,7 +2428,7 @@
         </a:bodyPr>
         <a:lstStyle/>
         <a:p>
-          <a:pPr marL="0" lvl="0" indent="0" algn="l" defTabSz="622300">
+          <a:pPr marL="0" lvl="0" indent="0" algn="l" defTabSz="755650">
             <a:lnSpc>
               <a:spcPct val="100000"/>
             </a:lnSpc>
@@ -2440,8 +2441,8 @@
             <a:buNone/>
           </a:pPr>
           <a:r>
-            <a:rPr lang="en-US" sz="1400" kern="1200" dirty="0"/>
-            <a:t>Explored enrollment rates, graduation rates and how crime stats impact them</a:t>
+            <a:rPr lang="en-US" sz="1700" kern="1200" dirty="0"/>
+            <a:t>Explored  graduation rates and how crime stats impact them</a:t>
           </a:r>
         </a:p>
       </dsp:txBody>
@@ -2576,7 +2577,7 @@
         </a:bodyPr>
         <a:lstStyle/>
         <a:p>
-          <a:pPr marL="0" lvl="0" indent="0" algn="l" defTabSz="622300">
+          <a:pPr marL="0" lvl="0" indent="0" algn="l" defTabSz="755650">
             <a:lnSpc>
               <a:spcPct val="100000"/>
             </a:lnSpc>
@@ -2589,7 +2590,7 @@
             <a:buNone/>
           </a:pPr>
           <a:r>
-            <a:rPr lang="en-US" sz="1400" kern="1200" dirty="0"/>
+            <a:rPr lang="en-US" sz="1700" kern="1200" dirty="0"/>
             <a:t>Used Excel &amp; Python</a:t>
           </a:r>
         </a:p>
@@ -2725,7 +2726,7 @@
         </a:bodyPr>
         <a:lstStyle/>
         <a:p>
-          <a:pPr marL="0" lvl="0" indent="0" algn="l" defTabSz="622300">
+          <a:pPr marL="0" lvl="0" indent="0" algn="l" defTabSz="755650">
             <a:lnSpc>
               <a:spcPct val="100000"/>
             </a:lnSpc>
@@ -2738,9 +2739,10 @@
             <a:buNone/>
           </a:pPr>
           <a:r>
-            <a:rPr lang="en-US" sz="1400" kern="1200" dirty="0"/>
-            <a:t>Tableau dashboard</a:t>
+            <a:rPr lang="en-US" sz="1700" kern="1200" dirty="0" err="1"/>
+            <a:t>PowerBI</a:t>
           </a:r>
+          <a:endParaRPr lang="en-US" sz="1700" kern="1200" dirty="0"/>
         </a:p>
       </dsp:txBody>
       <dsp:txXfrm>
@@ -11433,10 +11435,10 @@
       </p:grpSpPr>
       <p:sp>
         <p:nvSpPr>
-          <p:cNvPr id="68" name="Rectangle 67">
+          <p:cNvPr id="79" name="Rectangle 78">
             <a:extLst>
               <a:ext uri="{FF2B5EF4-FFF2-40B4-BE49-F238E27FC236}">
-                <a16:creationId xmlns:a16="http://schemas.microsoft.com/office/drawing/2014/main" id="{910015B9-6046-41B8-83BD-71778D2F9798}"/>
+                <a16:creationId xmlns:a16="http://schemas.microsoft.com/office/drawing/2014/main" id="{DD651B61-325E-4E73-8445-38B0DE8AAAB6}"/>
               </a:ext>
               <a:ext uri="{C183D7F6-B498-43B3-948B-1728B52AA6E4}">
                 <adec:decorative xmlns:adec="http://schemas.microsoft.com/office/drawing/2017/decorative" val="1"/>
@@ -11494,10 +11496,10 @@
       </p:sp>
       <p:sp>
         <p:nvSpPr>
-          <p:cNvPr id="69" name="Rectangle 68">
+          <p:cNvPr id="81" name="Rectangle 80">
             <a:extLst>
               <a:ext uri="{FF2B5EF4-FFF2-40B4-BE49-F238E27FC236}">
-                <a16:creationId xmlns:a16="http://schemas.microsoft.com/office/drawing/2014/main" id="{53908232-52E2-4794-A6C1-54300FB98919}"/>
+                <a16:creationId xmlns:a16="http://schemas.microsoft.com/office/drawing/2014/main" id="{B42E5253-D3AC-4AC2-B766-8B34F13C2F5E}"/>
               </a:ext>
               <a:ext uri="{C183D7F6-B498-43B3-948B-1728B52AA6E4}">
                 <adec:decorative xmlns:adec="http://schemas.microsoft.com/office/drawing/2017/decorative" val="1"/>
@@ -11555,10 +11557,10 @@
       </p:sp>
       <p:sp>
         <p:nvSpPr>
-          <p:cNvPr id="70" name="Rectangle 69">
+          <p:cNvPr id="83" name="Rectangle 82">
             <a:extLst>
               <a:ext uri="{FF2B5EF4-FFF2-40B4-BE49-F238E27FC236}">
-                <a16:creationId xmlns:a16="http://schemas.microsoft.com/office/drawing/2014/main" id="{D2B9299F-BED7-44C5-9CC5-E542F9193C2F}"/>
+                <a16:creationId xmlns:a16="http://schemas.microsoft.com/office/drawing/2014/main" id="{10AE8D57-436A-4073-9A75-15BB5949F8B4}"/>
               </a:ext>
               <a:ext uri="{C183D7F6-B498-43B3-948B-1728B52AA6E4}">
                 <adec:decorative xmlns:adec="http://schemas.microsoft.com/office/drawing/2017/decorative" val="1"/>
@@ -11616,10 +11618,10 @@
       </p:sp>
       <p:sp>
         <p:nvSpPr>
-          <p:cNvPr id="71" name="Rectangle 70">
+          <p:cNvPr id="85" name="Rectangle 84">
             <a:extLst>
               <a:ext uri="{FF2B5EF4-FFF2-40B4-BE49-F238E27FC236}">
-                <a16:creationId xmlns:a16="http://schemas.microsoft.com/office/drawing/2014/main" id="{E9DDF273-E040-4765-AD05-872458E1370A}"/>
+                <a16:creationId xmlns:a16="http://schemas.microsoft.com/office/drawing/2014/main" id="{E2852671-8EB6-4EAF-8AF8-65CF3FD66456}"/>
               </a:ext>
               <a:ext uri="{C183D7F6-B498-43B3-948B-1728B52AA6E4}">
                 <adec:decorative xmlns:adec="http://schemas.microsoft.com/office/drawing/2017/decorative" val="1"/>
@@ -11677,10 +11679,10 @@
       </p:sp>
       <p:sp useBgFill="1">
         <p:nvSpPr>
-          <p:cNvPr id="72" name="Rectangle 71">
+          <p:cNvPr id="87" name="Rectangle 86">
             <a:extLst>
               <a:ext uri="{FF2B5EF4-FFF2-40B4-BE49-F238E27FC236}">
-                <a16:creationId xmlns:a16="http://schemas.microsoft.com/office/drawing/2014/main" id="{C1FA8F66-3B85-411D-A2A6-A50DF3026D9A}"/>
+                <a16:creationId xmlns:a16="http://schemas.microsoft.com/office/drawing/2014/main" id="{7C427EA3-1645-4B27-A5C2-55E8E24C665F}"/>
               </a:ext>
               <a:ext uri="{C183D7F6-B498-43B3-948B-1728B52AA6E4}">
                 <adec:decorative xmlns:adec="http://schemas.microsoft.com/office/drawing/2017/decorative" val="1"/>
@@ -11735,86 +11737,12 @@
           </a:p>
         </p:txBody>
       </p:sp>
-      <p:pic>
-        <p:nvPicPr>
-          <p:cNvPr id="7" name="Picture 6" descr="A graph of blue bars&#10;&#10;Description automatically generated">
+      <p:sp>
+        <p:nvSpPr>
+          <p:cNvPr id="89" name="Rectangle 88">
             <a:extLst>
               <a:ext uri="{FF2B5EF4-FFF2-40B4-BE49-F238E27FC236}">
-                <a16:creationId xmlns:a16="http://schemas.microsoft.com/office/drawing/2014/main" id="{DA5FFBD6-0DBA-1B26-09E2-EEA1ECF32407}"/>
-              </a:ext>
-            </a:extLst>
-          </p:cNvPr>
-          <p:cNvPicPr>
-            <a:picLocks noChangeAspect="1"/>
-          </p:cNvPicPr>
-          <p:nvPr/>
-        </p:nvPicPr>
-        <p:blipFill>
-          <a:blip r:embed="rId3">
-            <a:extLst>
-              <a:ext uri="{28A0092B-C50C-407E-A947-70E740481C1C}">
-                <a14:useLocalDpi xmlns:a14="http://schemas.microsoft.com/office/drawing/2010/main" val="0"/>
-              </a:ext>
-            </a:extLst>
-          </a:blip>
-          <a:stretch>
-            <a:fillRect/>
-          </a:stretch>
-        </p:blipFill>
-        <p:spPr>
-          <a:xfrm>
-            <a:off x="760026" y="541065"/>
-            <a:ext cx="4839284" cy="3435892"/>
-          </a:xfrm>
-          <a:prstGeom prst="rect">
-            <a:avLst/>
-          </a:prstGeom>
-        </p:spPr>
-      </p:pic>
-      <p:pic>
-        <p:nvPicPr>
-          <p:cNvPr id="5" name="Content Placeholder 4" descr="A graph of blue bars&#10;&#10;Description automatically generated">
-            <a:extLst>
-              <a:ext uri="{FF2B5EF4-FFF2-40B4-BE49-F238E27FC236}">
-                <a16:creationId xmlns:a16="http://schemas.microsoft.com/office/drawing/2014/main" id="{3995A7B0-3E00-B4F1-73D0-320211CC29D2}"/>
-              </a:ext>
-            </a:extLst>
-          </p:cNvPr>
-          <p:cNvPicPr>
-            <a:picLocks noGrp="1" noChangeAspect="1"/>
-          </p:cNvPicPr>
-          <p:nvPr>
-            <p:ph idx="1"/>
-          </p:nvPr>
-        </p:nvPicPr>
-        <p:blipFill>
-          <a:blip r:embed="rId4">
-            <a:extLst>
-              <a:ext uri="{28A0092B-C50C-407E-A947-70E740481C1C}">
-                <a14:useLocalDpi xmlns:a14="http://schemas.microsoft.com/office/drawing/2010/main" val="0"/>
-              </a:ext>
-            </a:extLst>
-          </a:blip>
-          <a:stretch>
-            <a:fillRect/>
-          </a:stretch>
-        </p:blipFill>
-        <p:spPr>
-          <a:xfrm>
-            <a:off x="6522707" y="541064"/>
-            <a:ext cx="4943729" cy="3435892"/>
-          </a:xfrm>
-          <a:prstGeom prst="rect">
-            <a:avLst/>
-          </a:prstGeom>
-        </p:spPr>
-      </p:pic>
-      <p:sp>
-        <p:nvSpPr>
-          <p:cNvPr id="73" name="Rectangle 72">
-            <a:extLst>
-              <a:ext uri="{FF2B5EF4-FFF2-40B4-BE49-F238E27FC236}">
-                <a16:creationId xmlns:a16="http://schemas.microsoft.com/office/drawing/2014/main" id="{D695E25C-06E7-4082-BE92-B571B616BC5A}"/>
+                <a16:creationId xmlns:a16="http://schemas.microsoft.com/office/drawing/2014/main" id="{885CDBF6-7B87-4A58-92CA-E887CA36AF04}"/>
               </a:ext>
               <a:ext uri="{C183D7F6-B498-43B3-948B-1728B52AA6E4}">
                 <adec:decorative xmlns:adec="http://schemas.microsoft.com/office/drawing/2017/decorative" val="1"/>
@@ -11834,8 +11762,8 @@
         </p:nvSpPr>
         <p:spPr>
           <a:xfrm>
-            <a:off x="446534" y="4297735"/>
-            <a:ext cx="11265408" cy="94997"/>
+            <a:off x="446534" y="457200"/>
+            <a:ext cx="3703320" cy="94997"/>
           </a:xfrm>
           <a:prstGeom prst="rect">
             <a:avLst/>
@@ -11872,10 +11800,10 @@
       </p:sp>
       <p:sp>
         <p:nvSpPr>
-          <p:cNvPr id="74" name="Rectangle 73">
+          <p:cNvPr id="91" name="Rectangle 90">
             <a:extLst>
               <a:ext uri="{FF2B5EF4-FFF2-40B4-BE49-F238E27FC236}">
-                <a16:creationId xmlns:a16="http://schemas.microsoft.com/office/drawing/2014/main" id="{E64BD7DF-F4BB-427F-B4F6-6DC83A59AA0F}"/>
+                <a16:creationId xmlns:a16="http://schemas.microsoft.com/office/drawing/2014/main" id="{6BFF2B2E-1CF1-403F-BB44-3F9C3E7F67FF}"/>
               </a:ext>
               <a:ext uri="{C183D7F6-B498-43B3-948B-1728B52AA6E4}">
                 <adec:decorative xmlns:adec="http://schemas.microsoft.com/office/drawing/2017/decorative" val="1"/>
@@ -11895,18 +11823,16 @@
         </p:nvSpPr>
         <p:spPr>
           <a:xfrm>
-            <a:off x="448732" y="4428067"/>
-            <a:ext cx="11260667" cy="1962497"/>
+            <a:off x="4241830" y="457200"/>
+            <a:ext cx="3703320" cy="91440"/>
           </a:xfrm>
           <a:prstGeom prst="rect">
             <a:avLst/>
           </a:prstGeom>
           <a:solidFill>
-            <a:srgbClr val="465359">
-              <a:alpha val="97000"/>
-            </a:srgbClr>
+            <a:schemeClr val="accent1"/>
           </a:solidFill>
-          <a:ln w="6350" cmpd="sng">
+          <a:ln>
             <a:noFill/>
           </a:ln>
           <a:effectLst/>
@@ -11935,6 +11861,166 @@
       </p:sp>
       <p:sp>
         <p:nvSpPr>
+          <p:cNvPr id="93" name="Rectangle 92">
+            <a:extLst>
+              <a:ext uri="{FF2B5EF4-FFF2-40B4-BE49-F238E27FC236}">
+                <a16:creationId xmlns:a16="http://schemas.microsoft.com/office/drawing/2014/main" id="{9D8B4D3C-0DE0-43B9-B032-32B536B96D02}"/>
+              </a:ext>
+              <a:ext uri="{C183D7F6-B498-43B3-948B-1728B52AA6E4}">
+                <adec:decorative xmlns:adec="http://schemas.microsoft.com/office/drawing/2017/decorative" val="1"/>
+              </a:ext>
+            </a:extLst>
+          </p:cNvPr>
+          <p:cNvSpPr>
+            <a:spLocks noGrp="1" noRot="1" noChangeAspect="1" noMove="1" noResize="1" noEditPoints="1" noAdjustHandles="1" noChangeArrowheads="1" noChangeShapeType="1" noTextEdit="1"/>
+          </p:cNvSpPr>
+          <p:nvPr>
+            <p:extLst>
+              <p:ext uri="{386F3935-93C4-4BCD-93E2-E3B085C9AB24}">
+                <p16:designElem xmlns:p16="http://schemas.microsoft.com/office/powerpoint/2015/main" val="1"/>
+              </p:ext>
+            </p:extLst>
+          </p:nvPr>
+        </p:nvSpPr>
+        <p:spPr>
+          <a:xfrm>
+            <a:off x="8042147" y="453643"/>
+            <a:ext cx="3703320" cy="98554"/>
+          </a:xfrm>
+          <a:prstGeom prst="rect">
+            <a:avLst/>
+          </a:prstGeom>
+          <a:solidFill>
+            <a:srgbClr val="969FA7"/>
+          </a:solidFill>
+          <a:ln>
+            <a:noFill/>
+          </a:ln>
+          <a:effectLst/>
+        </p:spPr>
+        <p:style>
+          <a:lnRef idx="1">
+            <a:schemeClr val="accent1"/>
+          </a:lnRef>
+          <a:fillRef idx="3">
+            <a:schemeClr val="accent1"/>
+          </a:fillRef>
+          <a:effectRef idx="2">
+            <a:schemeClr val="accent1"/>
+          </a:effectRef>
+          <a:fontRef idx="minor">
+            <a:schemeClr val="lt1"/>
+          </a:fontRef>
+        </p:style>
+        <p:txBody>
+          <a:bodyPr/>
+          <a:lstStyle/>
+          <a:p>
+            <a:endParaRPr lang="en-US"/>
+          </a:p>
+        </p:txBody>
+      </p:sp>
+      <p:pic>
+        <p:nvPicPr>
+          <p:cNvPr id="8" name="Content Placeholder 7" descr="A graph of blue bars&#10;&#10;Description automatically generated">
+            <a:extLst>
+              <a:ext uri="{FF2B5EF4-FFF2-40B4-BE49-F238E27FC236}">
+                <a16:creationId xmlns:a16="http://schemas.microsoft.com/office/drawing/2014/main" id="{016DFE6E-0346-98C1-4A30-1D38D0A2FCFA}"/>
+              </a:ext>
+            </a:extLst>
+          </p:cNvPr>
+          <p:cNvPicPr>
+            <a:picLocks noGrp="1" noChangeAspect="1"/>
+          </p:cNvPicPr>
+          <p:nvPr>
+            <p:ph idx="1"/>
+          </p:nvPr>
+        </p:nvPicPr>
+        <p:blipFill>
+          <a:blip r:embed="rId3">
+            <a:extLst>
+              <a:ext uri="{28A0092B-C50C-407E-A947-70E740481C1C}">
+                <a14:useLocalDpi xmlns:a14="http://schemas.microsoft.com/office/drawing/2010/main" val="0"/>
+              </a:ext>
+            </a:extLst>
+          </a:blip>
+          <a:stretch>
+            <a:fillRect/>
+          </a:stretch>
+        </p:blipFill>
+        <p:spPr>
+          <a:xfrm>
+            <a:off x="931166" y="1506346"/>
+            <a:ext cx="6518800" cy="4139438"/>
+          </a:xfrm>
+          <a:prstGeom prst="rect">
+            <a:avLst/>
+          </a:prstGeom>
+        </p:spPr>
+      </p:pic>
+      <p:sp>
+        <p:nvSpPr>
+          <p:cNvPr id="95" name="Rectangle 94">
+            <a:extLst>
+              <a:ext uri="{FF2B5EF4-FFF2-40B4-BE49-F238E27FC236}">
+                <a16:creationId xmlns:a16="http://schemas.microsoft.com/office/drawing/2014/main" id="{707788D3-E467-4E25-A5E9-FD41795BD551}"/>
+              </a:ext>
+              <a:ext uri="{C183D7F6-B498-43B3-948B-1728B52AA6E4}">
+                <adec:decorative xmlns:adec="http://schemas.microsoft.com/office/drawing/2017/decorative" val="1"/>
+              </a:ext>
+            </a:extLst>
+          </p:cNvPr>
+          <p:cNvSpPr>
+            <a:spLocks noGrp="1" noRot="1" noChangeAspect="1" noMove="1" noResize="1" noEditPoints="1" noAdjustHandles="1" noChangeArrowheads="1" noChangeShapeType="1" noTextEdit="1"/>
+          </p:cNvSpPr>
+          <p:nvPr>
+            <p:extLst>
+              <p:ext uri="{386F3935-93C4-4BCD-93E2-E3B085C9AB24}">
+                <p16:designElem xmlns:p16="http://schemas.microsoft.com/office/powerpoint/2015/main" val="1"/>
+              </p:ext>
+            </p:extLst>
+          </p:nvPr>
+        </p:nvSpPr>
+        <p:spPr>
+          <a:xfrm>
+            <a:off x="8042147" y="601200"/>
+            <a:ext cx="3703320" cy="5789365"/>
+          </a:xfrm>
+          <a:prstGeom prst="rect">
+            <a:avLst/>
+          </a:prstGeom>
+          <a:solidFill>
+            <a:srgbClr val="465359"/>
+          </a:solidFill>
+          <a:ln>
+            <a:noFill/>
+          </a:ln>
+          <a:effectLst/>
+        </p:spPr>
+        <p:style>
+          <a:lnRef idx="1">
+            <a:schemeClr val="accent1"/>
+          </a:lnRef>
+          <a:fillRef idx="3">
+            <a:schemeClr val="accent1"/>
+          </a:fillRef>
+          <a:effectRef idx="2">
+            <a:schemeClr val="accent1"/>
+          </a:effectRef>
+          <a:fontRef idx="minor">
+            <a:schemeClr val="lt1"/>
+          </a:fontRef>
+        </p:style>
+        <p:txBody>
+          <a:bodyPr/>
+          <a:lstStyle/>
+          <a:p>
+            <a:endParaRPr lang="en-US"/>
+          </a:p>
+        </p:txBody>
+      </p:sp>
+      <p:sp>
+        <p:nvSpPr>
           <p:cNvPr id="2" name="Title 1">
             <a:extLst>
               <a:ext uri="{FF2B5EF4-FFF2-40B4-BE49-F238E27FC236}">
@@ -11951,8 +12037,8 @@
         </p:nvSpPr>
         <p:spPr>
           <a:xfrm>
-            <a:off x="609599" y="4572000"/>
-            <a:ext cx="10965141" cy="895244"/>
+            <a:off x="8296275" y="1419225"/>
+            <a:ext cx="3081576" cy="2085869"/>
           </a:xfrm>
         </p:spPr>
         <p:txBody>
@@ -11961,9 +12047,8 @@
           </a:bodyPr>
           <a:lstStyle/>
           <a:p>
-            <a:pPr algn="ctr"/>
             <a:r>
-              <a:rPr lang="en-US" sz="4000" dirty="0">
+              <a:rPr lang="en-US" sz="3600">
                 <a:solidFill>
                   <a:srgbClr val="FFFFFF"/>
                 </a:solidFill>
@@ -12488,7 +12573,7 @@
     <p:bg>
       <p:bgPr>
         <a:solidFill>
-          <a:schemeClr val="bg1"/>
+          <a:schemeClr val="bg2"/>
         </a:solidFill>
         <a:effectLst/>
       </p:bgPr>
@@ -12509,10 +12594,173 @@
       </p:grpSpPr>
       <p:sp>
         <p:nvSpPr>
-          <p:cNvPr id="49" name="Rectangle 48">
+          <p:cNvPr id="96" name="Rectangle 95">
             <a:extLst>
               <a:ext uri="{FF2B5EF4-FFF2-40B4-BE49-F238E27FC236}">
-                <a16:creationId xmlns:a16="http://schemas.microsoft.com/office/drawing/2014/main" id="{DD651B61-325E-4E73-8445-38B0DE8AAAB6}"/>
+                <a16:creationId xmlns:a16="http://schemas.microsoft.com/office/drawing/2014/main" id="{88C97474-5879-4DB5-B4F3-F0357104BC8E}"/>
+              </a:ext>
+              <a:ext uri="{C183D7F6-B498-43B3-948B-1728B52AA6E4}">
+                <adec:decorative xmlns:adec="http://schemas.microsoft.com/office/drawing/2017/decorative" val="1"/>
+              </a:ext>
+            </a:extLst>
+          </p:cNvPr>
+          <p:cNvSpPr>
+            <a:spLocks noGrp="1" noRot="1" noChangeAspect="1" noMove="1" noResize="1" noEditPoints="1" noAdjustHandles="1" noChangeArrowheads="1" noChangeShapeType="1" noTextEdit="1"/>
+          </p:cNvSpPr>
+          <p:nvPr>
+            <p:extLst>
+              <p:ext uri="{386F3935-93C4-4BCD-93E2-E3B085C9AB24}">
+                <p16:designElem xmlns:p16="http://schemas.microsoft.com/office/powerpoint/2015/main" val="1"/>
+              </p:ext>
+            </p:extLst>
+          </p:nvPr>
+        </p:nvSpPr>
+        <p:spPr>
+          <a:xfrm>
+            <a:off x="0" y="0"/>
+            <a:ext cx="12192000" cy="6858000"/>
+          </a:xfrm>
+          <a:prstGeom prst="rect">
+            <a:avLst/>
+          </a:prstGeom>
+          <a:solidFill>
+            <a:schemeClr val="tx1"/>
+          </a:solidFill>
+          <a:ln>
+            <a:noFill/>
+          </a:ln>
+        </p:spPr>
+        <p:style>
+          <a:lnRef idx="2">
+            <a:schemeClr val="accent1">
+              <a:shade val="50000"/>
+            </a:schemeClr>
+          </a:lnRef>
+          <a:fillRef idx="1">
+            <a:schemeClr val="accent1"/>
+          </a:fillRef>
+          <a:effectRef idx="0">
+            <a:schemeClr val="accent1"/>
+          </a:effectRef>
+          <a:fontRef idx="minor">
+            <a:schemeClr val="lt1"/>
+          </a:fontRef>
+        </p:style>
+        <p:txBody>
+          <a:bodyPr rtlCol="0" anchor="ctr"/>
+          <a:lstStyle/>
+          <a:p>
+            <a:pPr algn="ctr"/>
+            <a:endParaRPr lang="en-US"/>
+          </a:p>
+        </p:txBody>
+      </p:sp>
+      <p:sp>
+        <p:nvSpPr>
+          <p:cNvPr id="98" name="Rectangle 97">
+            <a:extLst>
+              <a:ext uri="{FF2B5EF4-FFF2-40B4-BE49-F238E27FC236}">
+                <a16:creationId xmlns:a16="http://schemas.microsoft.com/office/drawing/2014/main" id="{7D2AF00E-D433-4047-863F-BCB69CEC3C35}"/>
+              </a:ext>
+              <a:ext uri="{C183D7F6-B498-43B3-948B-1728B52AA6E4}">
+                <adec:decorative xmlns:adec="http://schemas.microsoft.com/office/drawing/2017/decorative" val="1"/>
+              </a:ext>
+            </a:extLst>
+          </p:cNvPr>
+          <p:cNvSpPr>
+            <a:spLocks noGrp="1" noRot="1" noChangeAspect="1" noMove="1" noResize="1" noEditPoints="1" noAdjustHandles="1" noChangeArrowheads="1" noChangeShapeType="1" noTextEdit="1"/>
+          </p:cNvSpPr>
+          <p:nvPr>
+            <p:extLst>
+              <p:ext uri="{386F3935-93C4-4BCD-93E2-E3B085C9AB24}">
+                <p16:designElem xmlns:p16="http://schemas.microsoft.com/office/powerpoint/2015/main" val="1"/>
+              </p:ext>
+            </p:extLst>
+          </p:nvPr>
+        </p:nvSpPr>
+        <p:spPr>
+          <a:xfrm>
+            <a:off x="451588" y="601200"/>
+            <a:ext cx="7498616" cy="5789365"/>
+          </a:xfrm>
+          <a:prstGeom prst="rect">
+            <a:avLst/>
+          </a:prstGeom>
+          <a:solidFill>
+            <a:srgbClr val="465359"/>
+          </a:solidFill>
+          <a:ln>
+            <a:noFill/>
+          </a:ln>
+          <a:effectLst/>
+        </p:spPr>
+        <p:style>
+          <a:lnRef idx="1">
+            <a:schemeClr val="accent1"/>
+          </a:lnRef>
+          <a:fillRef idx="3">
+            <a:schemeClr val="accent1"/>
+          </a:fillRef>
+          <a:effectRef idx="2">
+            <a:schemeClr val="accent1"/>
+          </a:effectRef>
+          <a:fontRef idx="minor">
+            <a:schemeClr val="lt1"/>
+          </a:fontRef>
+        </p:style>
+        <p:txBody>
+          <a:bodyPr/>
+          <a:lstStyle/>
+          <a:p>
+            <a:endParaRPr lang="en-US"/>
+          </a:p>
+        </p:txBody>
+      </p:sp>
+      <p:sp>
+        <p:nvSpPr>
+          <p:cNvPr id="2" name="Title 1">
+            <a:extLst>
+              <a:ext uri="{FF2B5EF4-FFF2-40B4-BE49-F238E27FC236}">
+                <a16:creationId xmlns:a16="http://schemas.microsoft.com/office/drawing/2014/main" id="{F06B1E98-B9C9-B918-51BC-154E1DBCC268}"/>
+              </a:ext>
+            </a:extLst>
+          </p:cNvPr>
+          <p:cNvSpPr>
+            <a:spLocks noGrp="1"/>
+          </p:cNvSpPr>
+          <p:nvPr>
+            <p:ph type="title"/>
+          </p:nvPr>
+        </p:nvSpPr>
+        <p:spPr>
+          <a:xfrm>
+            <a:off x="807559" y="938022"/>
+            <a:ext cx="6647905" cy="1188720"/>
+          </a:xfrm>
+        </p:spPr>
+        <p:txBody>
+          <a:bodyPr vert="horz" lIns="91440" tIns="45720" rIns="91440" bIns="45720" rtlCol="0" anchor="b">
+            <a:normAutofit/>
+          </a:bodyPr>
+          <a:lstStyle/>
+          <a:p>
+            <a:r>
+              <a:rPr lang="en-US" sz="2800">
+                <a:solidFill>
+                  <a:srgbClr val="FFFFFF"/>
+                </a:solidFill>
+              </a:rPr>
+              <a:t>Questions?</a:t>
+            </a:r>
+          </a:p>
+        </p:txBody>
+      </p:sp>
+      <p:sp>
+        <p:nvSpPr>
+          <p:cNvPr id="100" name="Rectangle 99">
+            <a:extLst>
+              <a:ext uri="{FF2B5EF4-FFF2-40B4-BE49-F238E27FC236}">
+                <a16:creationId xmlns:a16="http://schemas.microsoft.com/office/drawing/2014/main" id="{0997DBEA-6DFC-457A-9850-E535053549D6}"/>
               </a:ext>
               <a:ext uri="{C183D7F6-B498-43B3-948B-1728B52AA6E4}">
                 <adec:decorative xmlns:adec="http://schemas.microsoft.com/office/drawing/2017/decorative" val="1"/>
@@ -12570,10 +12818,71 @@
       </p:sp>
       <p:sp>
         <p:nvSpPr>
-          <p:cNvPr id="51" name="Rectangle 50">
+          <p:cNvPr id="102" name="Rectangle 101">
             <a:extLst>
               <a:ext uri="{FF2B5EF4-FFF2-40B4-BE49-F238E27FC236}">
-                <a16:creationId xmlns:a16="http://schemas.microsoft.com/office/drawing/2014/main" id="{B42E5253-D3AC-4AC2-B766-8B34F13C2F5E}"/>
+                <a16:creationId xmlns:a16="http://schemas.microsoft.com/office/drawing/2014/main" id="{79446CF5-953A-4916-BFF4-F5558E5C2359}"/>
+              </a:ext>
+              <a:ext uri="{C183D7F6-B498-43B3-948B-1728B52AA6E4}">
+                <adec:decorative xmlns:adec="http://schemas.microsoft.com/office/drawing/2017/decorative" val="1"/>
+              </a:ext>
+            </a:extLst>
+          </p:cNvPr>
+          <p:cNvSpPr>
+            <a:spLocks noGrp="1" noRot="1" noChangeAspect="1" noMove="1" noResize="1" noEditPoints="1" noAdjustHandles="1" noChangeArrowheads="1" noChangeShapeType="1" noTextEdit="1"/>
+          </p:cNvSpPr>
+          <p:nvPr>
+            <p:extLst>
+              <p:ext uri="{386F3935-93C4-4BCD-93E2-E3B085C9AB24}">
+                <p16:designElem xmlns:p16="http://schemas.microsoft.com/office/powerpoint/2015/main" val="1"/>
+              </p:ext>
+            </p:extLst>
+          </p:nvPr>
+        </p:nvSpPr>
+        <p:spPr>
+          <a:xfrm>
+            <a:off x="4241830" y="457200"/>
+            <a:ext cx="3703320" cy="91440"/>
+          </a:xfrm>
+          <a:prstGeom prst="rect">
+            <a:avLst/>
+          </a:prstGeom>
+          <a:solidFill>
+            <a:schemeClr val="accent1"/>
+          </a:solidFill>
+          <a:ln>
+            <a:noFill/>
+          </a:ln>
+          <a:effectLst/>
+        </p:spPr>
+        <p:style>
+          <a:lnRef idx="1">
+            <a:schemeClr val="accent1"/>
+          </a:lnRef>
+          <a:fillRef idx="3">
+            <a:schemeClr val="accent1"/>
+          </a:fillRef>
+          <a:effectRef idx="2">
+            <a:schemeClr val="accent1"/>
+          </a:effectRef>
+          <a:fontRef idx="minor">
+            <a:schemeClr val="lt1"/>
+          </a:fontRef>
+        </p:style>
+        <p:txBody>
+          <a:bodyPr/>
+          <a:lstStyle/>
+          <a:p>
+            <a:endParaRPr lang="en-US"/>
+          </a:p>
+        </p:txBody>
+      </p:sp>
+      <p:sp>
+        <p:nvSpPr>
+          <p:cNvPr id="104" name="Rectangle 103">
+            <a:extLst>
+              <a:ext uri="{FF2B5EF4-FFF2-40B4-BE49-F238E27FC236}">
+                <a16:creationId xmlns:a16="http://schemas.microsoft.com/office/drawing/2014/main" id="{477B945C-B433-4DFF-9A67-A5C9257E471C}"/>
               </a:ext>
               <a:ext uri="{C183D7F6-B498-43B3-948B-1728B52AA6E4}">
                 <adec:decorative xmlns:adec="http://schemas.microsoft.com/office/drawing/2017/decorative" val="1"/>
@@ -12631,343 +12940,179 @@
       </p:sp>
       <p:sp>
         <p:nvSpPr>
-          <p:cNvPr id="53" name="Rectangle 52">
+          <p:cNvPr id="3" name="TextBox 2">
             <a:extLst>
               <a:ext uri="{FF2B5EF4-FFF2-40B4-BE49-F238E27FC236}">
-                <a16:creationId xmlns:a16="http://schemas.microsoft.com/office/drawing/2014/main" id="{10AE8D57-436A-4073-9A75-15BB5949F8B4}"/>
-              </a:ext>
-              <a:ext uri="{C183D7F6-B498-43B3-948B-1728B52AA6E4}">
-                <adec:decorative xmlns:adec="http://schemas.microsoft.com/office/drawing/2017/decorative" val="1"/>
+                <a16:creationId xmlns:a16="http://schemas.microsoft.com/office/drawing/2014/main" id="{D5D51A80-8BF3-5444-B770-60636C05F9DB}"/>
               </a:ext>
             </a:extLst>
           </p:cNvPr>
-          <p:cNvSpPr>
-            <a:spLocks noGrp="1" noRot="1" noChangeAspect="1" noMove="1" noResize="1" noEditPoints="1" noAdjustHandles="1" noChangeArrowheads="1" noChangeShapeType="1" noTextEdit="1"/>
-          </p:cNvSpPr>
-          <p:nvPr>
-            <p:extLst>
-              <p:ext uri="{386F3935-93C4-4BCD-93E2-E3B085C9AB24}">
-                <p16:designElem xmlns:p16="http://schemas.microsoft.com/office/powerpoint/2015/main" val="1"/>
-              </p:ext>
-            </p:extLst>
-          </p:nvPr>
+          <p:cNvSpPr txBox="1"/>
+          <p:nvPr/>
         </p:nvSpPr>
         <p:spPr>
           <a:xfrm>
-            <a:off x="4241830" y="457200"/>
-            <a:ext cx="3703320" cy="91440"/>
+            <a:off x="807559" y="2340864"/>
+            <a:ext cx="6690843" cy="3793237"/>
           </a:xfrm>
           <a:prstGeom prst="rect">
             <a:avLst/>
           </a:prstGeom>
-          <a:solidFill>
-            <a:schemeClr val="accent1"/>
-          </a:solidFill>
-          <a:ln>
-            <a:noFill/>
-          </a:ln>
-          <a:effectLst/>
-        </p:spPr>
-        <p:style>
-          <a:lnRef idx="1">
-            <a:schemeClr val="accent1"/>
-          </a:lnRef>
-          <a:fillRef idx="3">
-            <a:schemeClr val="accent1"/>
-          </a:fillRef>
-          <a:effectRef idx="2">
-            <a:schemeClr val="accent1"/>
-          </a:effectRef>
-          <a:fontRef idx="minor">
-            <a:schemeClr val="lt1"/>
-          </a:fontRef>
-        </p:style>
-        <p:txBody>
-          <a:bodyPr/>
-          <a:lstStyle/>
-          <a:p>
-            <a:endParaRPr lang="en-US"/>
-          </a:p>
-        </p:txBody>
-      </p:sp>
-      <p:sp>
-        <p:nvSpPr>
-          <p:cNvPr id="55" name="Rectangle 54">
-            <a:extLst>
-              <a:ext uri="{FF2B5EF4-FFF2-40B4-BE49-F238E27FC236}">
-                <a16:creationId xmlns:a16="http://schemas.microsoft.com/office/drawing/2014/main" id="{E2852671-8EB6-4EAF-8AF8-65CF3FD66456}"/>
-              </a:ext>
-              <a:ext uri="{C183D7F6-B498-43B3-948B-1728B52AA6E4}">
-                <adec:decorative xmlns:adec="http://schemas.microsoft.com/office/drawing/2017/decorative" val="1"/>
-              </a:ext>
-            </a:extLst>
-          </p:cNvPr>
-          <p:cNvSpPr>
-            <a:spLocks noGrp="1" noRot="1" noChangeAspect="1" noMove="1" noResize="1" noEditPoints="1" noAdjustHandles="1" noChangeArrowheads="1" noChangeShapeType="1" noTextEdit="1"/>
-          </p:cNvSpPr>
-          <p:nvPr>
-            <p:extLst>
-              <p:ext uri="{386F3935-93C4-4BCD-93E2-E3B085C9AB24}">
-                <p16:designElem xmlns:p16="http://schemas.microsoft.com/office/powerpoint/2015/main" val="1"/>
-              </p:ext>
-            </p:extLst>
-          </p:nvPr>
-        </p:nvSpPr>
-        <p:spPr>
-          <a:xfrm>
-            <a:off x="446534" y="3085764"/>
-            <a:ext cx="11298932" cy="3338149"/>
-          </a:xfrm>
-          <a:prstGeom prst="rect">
-            <a:avLst/>
-          </a:prstGeom>
-          <a:solidFill>
-            <a:srgbClr val="465359"/>
-          </a:solidFill>
-          <a:ln>
-            <a:noFill/>
-          </a:ln>
-          <a:effectLst/>
-        </p:spPr>
-        <p:style>
-          <a:lnRef idx="1">
-            <a:schemeClr val="accent1"/>
-          </a:lnRef>
-          <a:fillRef idx="3">
-            <a:schemeClr val="accent1"/>
-          </a:fillRef>
-          <a:effectRef idx="2">
-            <a:schemeClr val="accent1"/>
-          </a:effectRef>
-          <a:fontRef idx="minor">
-            <a:schemeClr val="lt1"/>
-          </a:fontRef>
-        </p:style>
-        <p:txBody>
-          <a:bodyPr/>
-          <a:lstStyle/>
-          <a:p>
-            <a:endParaRPr lang="en-US"/>
-          </a:p>
-        </p:txBody>
-      </p:sp>
-      <p:sp useBgFill="1">
-        <p:nvSpPr>
-          <p:cNvPr id="57" name="Rectangle 56">
-            <a:extLst>
-              <a:ext uri="{FF2B5EF4-FFF2-40B4-BE49-F238E27FC236}">
-                <a16:creationId xmlns:a16="http://schemas.microsoft.com/office/drawing/2014/main" id="{26B4480E-B7FF-4481-890E-043A69AE6FE2}"/>
-              </a:ext>
-              <a:ext uri="{C183D7F6-B498-43B3-948B-1728B52AA6E4}">
-                <adec:decorative xmlns:adec="http://schemas.microsoft.com/office/drawing/2017/decorative" val="1"/>
-              </a:ext>
-            </a:extLst>
-          </p:cNvPr>
-          <p:cNvSpPr>
-            <a:spLocks noGrp="1" noRot="1" noChangeAspect="1" noMove="1" noResize="1" noEditPoints="1" noAdjustHandles="1" noChangeArrowheads="1" noChangeShapeType="1" noTextEdit="1"/>
-          </p:cNvSpPr>
-          <p:nvPr>
-            <p:extLst>
-              <p:ext uri="{386F3935-93C4-4BCD-93E2-E3B085C9AB24}">
-                <p16:designElem xmlns:p16="http://schemas.microsoft.com/office/powerpoint/2015/main" val="1"/>
-              </p:ext>
-            </p:extLst>
-          </p:nvPr>
-        </p:nvSpPr>
-        <p:spPr>
-          <a:xfrm>
-            <a:off x="0" y="0"/>
-            <a:ext cx="12192000" cy="6858000"/>
-          </a:xfrm>
-          <a:prstGeom prst="rect">
-            <a:avLst/>
-          </a:prstGeom>
-          <a:ln>
-            <a:noFill/>
-          </a:ln>
-        </p:spPr>
-        <p:style>
-          <a:lnRef idx="2">
-            <a:schemeClr val="accent1">
-              <a:shade val="50000"/>
-            </a:schemeClr>
-          </a:lnRef>
-          <a:fillRef idx="1">
-            <a:schemeClr val="accent1"/>
-          </a:fillRef>
-          <a:effectRef idx="0">
-            <a:schemeClr val="accent1"/>
-          </a:effectRef>
-          <a:fontRef idx="minor">
-            <a:schemeClr val="lt1"/>
-          </a:fontRef>
-        </p:style>
-        <p:txBody>
-          <a:bodyPr rtlCol="0" anchor="ctr"/>
-          <a:lstStyle/>
-          <a:p>
-            <a:pPr algn="ctr"/>
-            <a:endParaRPr lang="en-US"/>
-          </a:p>
-        </p:txBody>
-      </p:sp>
-      <p:sp>
-        <p:nvSpPr>
-          <p:cNvPr id="59" name="Rectangle 58">
-            <a:extLst>
-              <a:ext uri="{FF2B5EF4-FFF2-40B4-BE49-F238E27FC236}">
-                <a16:creationId xmlns:a16="http://schemas.microsoft.com/office/drawing/2014/main" id="{8C2840C6-6494-4E12-A428-2012DA7DDF8A}"/>
-              </a:ext>
-              <a:ext uri="{C183D7F6-B498-43B3-948B-1728B52AA6E4}">
-                <adec:decorative xmlns:adec="http://schemas.microsoft.com/office/drawing/2017/decorative" val="1"/>
-              </a:ext>
-            </a:extLst>
-          </p:cNvPr>
-          <p:cNvSpPr>
-            <a:spLocks noGrp="1" noRot="1" noChangeAspect="1" noMove="1" noResize="1" noEditPoints="1" noAdjustHandles="1" noChangeArrowheads="1" noChangeShapeType="1" noTextEdit="1"/>
-          </p:cNvSpPr>
-          <p:nvPr>
-            <p:extLst>
-              <p:ext uri="{386F3935-93C4-4BCD-93E2-E3B085C9AB24}">
-                <p16:designElem xmlns:p16="http://schemas.microsoft.com/office/powerpoint/2015/main" val="1"/>
-              </p:ext>
-            </p:extLst>
-          </p:nvPr>
-        </p:nvSpPr>
-        <p:spPr>
-          <a:xfrm>
-            <a:off x="514059" y="457200"/>
-            <a:ext cx="5010912" cy="91440"/>
-          </a:xfrm>
-          <a:prstGeom prst="rect">
-            <a:avLst/>
-          </a:prstGeom>
-          <a:solidFill>
-            <a:srgbClr val="465359"/>
-          </a:solidFill>
-          <a:ln>
-            <a:noFill/>
-          </a:ln>
-          <a:effectLst/>
-        </p:spPr>
-        <p:style>
-          <a:lnRef idx="1">
-            <a:schemeClr val="accent1"/>
-          </a:lnRef>
-          <a:fillRef idx="3">
-            <a:schemeClr val="accent1"/>
-          </a:fillRef>
-          <a:effectRef idx="2">
-            <a:schemeClr val="accent1"/>
-          </a:effectRef>
-          <a:fontRef idx="minor">
-            <a:schemeClr val="lt1"/>
-          </a:fontRef>
-        </p:style>
-        <p:txBody>
-          <a:bodyPr/>
-          <a:lstStyle/>
-          <a:p>
-            <a:endParaRPr lang="en-US"/>
-          </a:p>
-        </p:txBody>
-      </p:sp>
-      <p:sp>
-        <p:nvSpPr>
-          <p:cNvPr id="61" name="Rectangle 60">
-            <a:extLst>
-              <a:ext uri="{FF2B5EF4-FFF2-40B4-BE49-F238E27FC236}">
-                <a16:creationId xmlns:a16="http://schemas.microsoft.com/office/drawing/2014/main" id="{8CF5084D-B617-4011-8406-A93B64723187}"/>
-              </a:ext>
-              <a:ext uri="{C183D7F6-B498-43B3-948B-1728B52AA6E4}">
-                <adec:decorative xmlns:adec="http://schemas.microsoft.com/office/drawing/2017/decorative" val="1"/>
-              </a:ext>
-            </a:extLst>
-          </p:cNvPr>
-          <p:cNvSpPr>
-            <a:spLocks noGrp="1" noRot="1" noChangeAspect="1" noMove="1" noResize="1" noEditPoints="1" noAdjustHandles="1" noChangeArrowheads="1" noChangeShapeType="1" noTextEdit="1"/>
-          </p:cNvSpPr>
-          <p:nvPr>
-            <p:extLst>
-              <p:ext uri="{386F3935-93C4-4BCD-93E2-E3B085C9AB24}">
-                <p16:designElem xmlns:p16="http://schemas.microsoft.com/office/powerpoint/2015/main" val="1"/>
-              </p:ext>
-            </p:extLst>
-          </p:nvPr>
-        </p:nvSpPr>
-        <p:spPr>
-          <a:xfrm>
-            <a:off x="515583" y="608797"/>
-            <a:ext cx="5009388" cy="5781768"/>
-          </a:xfrm>
-          <a:prstGeom prst="rect">
-            <a:avLst/>
-          </a:prstGeom>
-          <a:solidFill>
-            <a:srgbClr val="465359"/>
-          </a:solidFill>
-          <a:ln>
-            <a:noFill/>
-          </a:ln>
-          <a:effectLst/>
-        </p:spPr>
-        <p:style>
-          <a:lnRef idx="1">
-            <a:schemeClr val="accent1"/>
-          </a:lnRef>
-          <a:fillRef idx="3">
-            <a:schemeClr val="accent1"/>
-          </a:fillRef>
-          <a:effectRef idx="2">
-            <a:schemeClr val="accent1"/>
-          </a:effectRef>
-          <a:fontRef idx="minor">
-            <a:schemeClr val="lt1"/>
-          </a:fontRef>
-        </p:style>
-        <p:txBody>
-          <a:bodyPr/>
-          <a:lstStyle/>
-          <a:p>
-            <a:endParaRPr lang="en-US"/>
-          </a:p>
-        </p:txBody>
-      </p:sp>
-      <p:sp>
-        <p:nvSpPr>
-          <p:cNvPr id="2" name="Title 1">
-            <a:extLst>
-              <a:ext uri="{FF2B5EF4-FFF2-40B4-BE49-F238E27FC236}">
-                <a16:creationId xmlns:a16="http://schemas.microsoft.com/office/drawing/2014/main" id="{F06B1E98-B9C9-B918-51BC-154E1DBCC268}"/>
-              </a:ext>
-            </a:extLst>
-          </p:cNvPr>
-          <p:cNvSpPr>
-            <a:spLocks noGrp="1"/>
-          </p:cNvSpPr>
-          <p:nvPr>
-            <p:ph type="title"/>
-          </p:nvPr>
-        </p:nvSpPr>
-        <p:spPr>
-          <a:xfrm>
-            <a:off x="781872" y="1204126"/>
-            <a:ext cx="4476811" cy="3358833"/>
-          </a:xfrm>
         </p:spPr>
         <p:txBody>
-          <a:bodyPr vert="horz" lIns="91440" tIns="45720" rIns="91440" bIns="45720" rtlCol="0" anchor="b">
+          <a:bodyPr vert="horz" lIns="91440" tIns="45720" rIns="91440" bIns="45720" rtlCol="0" anchor="ctr">
             <a:normAutofit/>
           </a:bodyPr>
           <a:lstStyle/>
           <a:p>
+            <a:pPr defTabSz="457200">
+              <a:spcBef>
+                <a:spcPct val="20000"/>
+              </a:spcBef>
+              <a:spcAft>
+                <a:spcPts val="600"/>
+              </a:spcAft>
+              <a:buClr>
+                <a:schemeClr val="accent1"/>
+              </a:buClr>
+              <a:buSzPct val="92000"/>
+            </a:pPr>
             <a:r>
-              <a:rPr lang="en-US" sz="4000">
+              <a:rPr lang="en-US" dirty="0">
                 <a:solidFill>
                   <a:srgbClr val="FFFFFF"/>
                 </a:solidFill>
               </a:rPr>
-              <a:t>Questions</a:t>
+              <a:t>Thank you for your time!</a:t>
+            </a:r>
+          </a:p>
+          <a:p>
+            <a:pPr defTabSz="457200">
+              <a:spcBef>
+                <a:spcPct val="20000"/>
+              </a:spcBef>
+              <a:spcAft>
+                <a:spcPts val="600"/>
+              </a:spcAft>
+              <a:buClr>
+                <a:schemeClr val="accent1"/>
+              </a:buClr>
+              <a:buSzPct val="92000"/>
+            </a:pPr>
+            <a:r>
+              <a:rPr lang="en-US" dirty="0">
+                <a:solidFill>
+                  <a:srgbClr val="FFFFFF"/>
+                </a:solidFill>
+              </a:rPr>
+              <a:t>Please feel free to reach out with any follow-up questions</a:t>
+            </a:r>
+          </a:p>
+          <a:p>
+            <a:pPr defTabSz="457200">
+              <a:spcBef>
+                <a:spcPct val="20000"/>
+              </a:spcBef>
+              <a:spcAft>
+                <a:spcPts val="600"/>
+              </a:spcAft>
+              <a:buClr>
+                <a:schemeClr val="accent1"/>
+              </a:buClr>
+              <a:buSzPct val="92000"/>
+            </a:pPr>
+            <a:endParaRPr lang="en-US" dirty="0">
+              <a:solidFill>
+                <a:srgbClr val="FFFFFF"/>
+              </a:solidFill>
+            </a:endParaRPr>
+          </a:p>
+          <a:p>
+            <a:pPr defTabSz="457200">
+              <a:spcBef>
+                <a:spcPct val="20000"/>
+              </a:spcBef>
+              <a:spcAft>
+                <a:spcPts val="600"/>
+              </a:spcAft>
+              <a:buClr>
+                <a:schemeClr val="accent1"/>
+              </a:buClr>
+              <a:buSzPct val="92000"/>
+            </a:pPr>
+            <a:r>
+              <a:rPr lang="en-US" dirty="0">
+                <a:solidFill>
+                  <a:srgbClr val="FFFFFF"/>
+                </a:solidFill>
+              </a:rPr>
+              <a:t>Contact Info:</a:t>
+            </a:r>
+          </a:p>
+          <a:p>
+            <a:pPr defTabSz="457200">
+              <a:spcBef>
+                <a:spcPct val="20000"/>
+              </a:spcBef>
+              <a:spcAft>
+                <a:spcPts val="600"/>
+              </a:spcAft>
+              <a:buClr>
+                <a:schemeClr val="accent1"/>
+              </a:buClr>
+              <a:buSzPct val="92000"/>
+            </a:pPr>
+            <a:r>
+              <a:rPr lang="en-US" dirty="0">
+                <a:solidFill>
+                  <a:srgbClr val="FFFFFF"/>
+                </a:solidFill>
+              </a:rPr>
+              <a:t>Erica Henley</a:t>
+            </a:r>
+          </a:p>
+          <a:p>
+            <a:pPr defTabSz="457200">
+              <a:spcBef>
+                <a:spcPct val="20000"/>
+              </a:spcBef>
+              <a:spcAft>
+                <a:spcPts val="600"/>
+              </a:spcAft>
+              <a:buClr>
+                <a:schemeClr val="accent1"/>
+              </a:buClr>
+              <a:buSzPct val="92000"/>
+            </a:pPr>
+            <a:r>
+              <a:rPr lang="en-US" dirty="0">
+                <a:solidFill>
+                  <a:srgbClr val="FFFFFF"/>
+                </a:solidFill>
+              </a:rPr>
+              <a:t>henley.er@gmail.com</a:t>
+            </a:r>
+          </a:p>
+          <a:p>
+            <a:pPr defTabSz="457200">
+              <a:spcBef>
+                <a:spcPct val="20000"/>
+              </a:spcBef>
+              <a:spcAft>
+                <a:spcPts val="600"/>
+              </a:spcAft>
+              <a:buClr>
+                <a:schemeClr val="accent1"/>
+              </a:buClr>
+              <a:buSzPct val="92000"/>
+            </a:pPr>
+            <a:r>
+              <a:rPr lang="en-US" dirty="0">
+                <a:solidFill>
+                  <a:srgbClr val="FFFFFF"/>
+                </a:solidFill>
+              </a:rPr>
+              <a:t>870-560-8192</a:t>
             </a:r>
           </a:p>
         </p:txBody>
@@ -13003,8 +13148,8 @@
         </p:blipFill>
         <p:spPr>
           <a:xfrm>
-            <a:off x="6095999" y="782722"/>
-            <a:ext cx="5433917" cy="5433917"/>
+            <a:off x="8476761" y="2049354"/>
+            <a:ext cx="3053422" cy="3053422"/>
           </a:xfrm>
           <a:prstGeom prst="rect">
             <a:avLst/>
@@ -13019,7 +13164,7 @@
     </p:extLst>
   </p:cSld>
   <p:clrMapOvr>
-    <a:masterClrMapping/>
+    <a:overrideClrMapping bg1="dk1" tx1="lt1" bg2="dk2" tx2="lt2" accent1="accent1" accent2="accent2" accent3="accent3" accent4="accent4" accent5="accent5" accent6="accent6" hlink="hlink" folHlink="folHlink"/>
   </p:clrMapOvr>
 </p:sld>
 </file>
@@ -13385,7 +13530,7 @@
             <p:ph idx="1"/>
             <p:extLst>
               <p:ext uri="{D42A27DB-BD31-4B8C-83A1-F6EECF244321}">
-                <p14:modId xmlns:p14="http://schemas.microsoft.com/office/powerpoint/2010/main" val="3364595982"/>
+                <p14:modId xmlns:p14="http://schemas.microsoft.com/office/powerpoint/2010/main" val="1870561451"/>
               </p:ext>
             </p:extLst>
           </p:nvPr>
